--- a/files/tools/decks/SWITCH Framework_FacilitationDeck.pptx
+++ b/files/tools/decks/SWITCH Framework_FacilitationDeck.pptx
@@ -7541,7 +7541,7 @@
                 <a:cs typeface="IBM Plex Sans"/>
                 <a:sym typeface="IBM Plex Sans"/>
               </a:rPr>
-              <a:t>Cultivate a sense of identity and instill the growth mindset. Elevate them to bring about change by equipping them with the knowledge and skills, and most importantly the confidence to complete chance. </a:t>
+              <a:t>Cultivate a sense of identity and instill the growth mindset. Elevate them to bring about change by equipping them with the knowledge and skills and most importantly, the confidence to complete change. </a:t>
             </a:r>
             <a:endParaRPr sz="1800">
               <a:solidFill>
@@ -7602,7 +7602,7 @@
                 <a:cs typeface="IBM Plex Sans"/>
                 <a:sym typeface="IBM Plex Sans"/>
               </a:rPr>
-              <a:t>How do we provide confidence to people? How do we equip them with skills, knowledge, tools helpful to them? </a:t>
+              <a:t>How do we provide confidence to people? How do we equip them with skills, knowledge, tools which are helpful to them? </a:t>
             </a:r>
             <a:endParaRPr b="1" sz="900">
               <a:solidFill>
@@ -8561,7 +8561,7 @@
                 <a:cs typeface="IBM Plex Sans"/>
                 <a:sym typeface="IBM Plex Sans"/>
               </a:rPr>
-              <a:t>How can we realise behaviour change by changing something about the context, situation, journey itself? What can we simplify and create ease?</a:t>
+              <a:t>How can we realise behaviour change by changing something about the context, situation, and journey itself? What can we simplify and create ease of use?</a:t>
             </a:r>
             <a:endParaRPr sz="600">
               <a:solidFill>
@@ -9096,7 +9096,7 @@
                 <a:cs typeface="IBM Plex Sans"/>
                 <a:sym typeface="IBM Plex Sans"/>
               </a:rPr>
-              <a:t>How do we facilitate new behaviour to become habits? How do we make it consistent? How do we make it visible and accountable?</a:t>
+              <a:t>How do we facilitate new behaviours to become habits? How do we make it consistent? How do we make it visible and accountable?</a:t>
             </a:r>
             <a:endParaRPr sz="700">
               <a:solidFill>
@@ -9845,7 +9845,7 @@
                 <a:cs typeface="IBM Plex Sans"/>
                 <a:sym typeface="IBM Plex Sans"/>
               </a:rPr>
-              <a:t>Behavior is contagious. Help it spread.Get people involved. Move it beyond individuals. Get changed recognised and adopted by other people. </a:t>
+              <a:t>Behavior is contagious. Help it spread. Get people involved. Move it beyond individuals. Get changed recognised and adopted by other people. </a:t>
             </a:r>
             <a:endParaRPr sz="1800">
               <a:solidFill>
@@ -10592,7 +10592,7 @@
             <a:tbl>
               <a:tblPr>
                 <a:noFill/>
-                <a:tableStyleId>{F301024D-1699-4BCD-9665-B7DBDD08915E}</a:tableStyleId>
+                <a:tableStyleId>{E14DEC1F-E62B-4AF7-AD22-9E094F30B2D6}</a:tableStyleId>
               </a:tblPr>
               <a:tblGrid>
                 <a:gridCol w="5205000"/>
@@ -13577,7 +13577,7 @@
                 <a:cs typeface="IBM Plex Sans"/>
                 <a:sym typeface="IBM Plex Sans"/>
               </a:rPr>
-              <a:t>The Switch Model is a widely used framework to guide behaviour change approaches - especially in the behaviour change communication domain. </a:t>
+              <a:t>The Switch Model is a widely used framework to help guide behaviour change approaches - especially in the behaviour change communication domain. </a:t>
             </a:r>
             <a:endParaRPr b="1" sz="1800">
               <a:solidFill>
@@ -13638,7 +13638,7 @@
                 <a:cs typeface="IBM Plex Sans"/>
                 <a:sym typeface="IBM Plex Sans"/>
               </a:rPr>
-              <a:t>Similar and built on forward from the NUDGE framework, it goes beyond complex choices and focuses on what it takes to create sustainable behaviour change. </a:t>
+              <a:t>Similar to the NUDGE framework, it goes beyond complex choices and focuses on what it takes to create sustainable behaviour change. </a:t>
             </a:r>
             <a:endParaRPr b="1" sz="1800">
               <a:solidFill>
@@ -13699,7 +13699,7 @@
                 <a:cs typeface="IBM Plex Sans"/>
                 <a:sym typeface="IBM Plex Sans"/>
               </a:rPr>
-              <a:t>The model proposes that there are three elements of behaviour of a person - the rational side (The Rider), the emotion side (The Elephant), and the environment (The Path).</a:t>
+              <a:t>The model proposes that there are three elements to the behaviour of a person - the rational side (The Rider), the emotion side (The Elephant), and the environment (The Path).</a:t>
             </a:r>
             <a:endParaRPr b="1" sz="1800">
               <a:solidFill>
@@ -15221,7 +15221,7 @@
                 <a:cs typeface="IBM Plex Sans"/>
                 <a:sym typeface="IBM Plex Sans"/>
               </a:rPr>
-              <a:t>Build on existing positive behaviour and success stories rather than focusing all the energy on fixing the problematic areas. Learn from, and scale positives. </a:t>
+              <a:t>Build on existing positive behaviour and success stories rather than focusing energy on fixing the problematic areas. Learn from, and scale positives. </a:t>
             </a:r>
             <a:endParaRPr sz="1800">
               <a:solidFill>
@@ -15931,7 +15931,19 @@
                 <a:cs typeface="IBM Plex Sans"/>
                 <a:sym typeface="IBM Plex Sans"/>
               </a:rPr>
-              <a:t>Don’t think big picture but in terms of specific behaviours. Dissolve the ambiguity. </a:t>
+              <a:t>Think in terms of </a:t>
+            </a:r>
+            <a:r>
+              <a:rPr lang="en" sz="1800">
+                <a:solidFill>
+                  <a:schemeClr val="dk1"/>
+                </a:solidFill>
+                <a:latin typeface="IBM Plex Sans"/>
+                <a:ea typeface="IBM Plex Sans"/>
+                <a:cs typeface="IBM Plex Sans"/>
+                <a:sym typeface="IBM Plex Sans"/>
+              </a:rPr>
+              <a:t>specific behaviours, don’t focus on the bigger picture. Dissolve the ambiguity. </a:t>
             </a:r>
             <a:endParaRPr sz="1800">
               <a:solidFill>
@@ -16637,7 +16649,31 @@
                 <a:cs typeface="IBM Plex Sans"/>
                 <a:sym typeface="IBM Plex Sans"/>
               </a:rPr>
-              <a:t>Paint a picture of what the end point will be, what change will look like. Create a specific clear goal that people can work towards and respond to.</a:t>
+              <a:t>Paint a picture of what the end point will </a:t>
+            </a:r>
+            <a:r>
+              <a:rPr lang="en" sz="1800">
+                <a:solidFill>
+                  <a:schemeClr val="dk1"/>
+                </a:solidFill>
+                <a:latin typeface="IBM Plex Sans"/>
+                <a:ea typeface="IBM Plex Sans"/>
+                <a:cs typeface="IBM Plex Sans"/>
+                <a:sym typeface="IBM Plex Sans"/>
+              </a:rPr>
+              <a:t>be</a:t>
+            </a:r>
+            <a:r>
+              <a:rPr lang="en" sz="1800">
+                <a:solidFill>
+                  <a:schemeClr val="dk1"/>
+                </a:solidFill>
+                <a:latin typeface="IBM Plex Sans"/>
+                <a:ea typeface="IBM Plex Sans"/>
+                <a:cs typeface="IBM Plex Sans"/>
+                <a:sym typeface="IBM Plex Sans"/>
+              </a:rPr>
+              <a:t>, what change will look like. Create a specific goal that people can work towards and respond to.</a:t>
             </a:r>
             <a:endParaRPr sz="1800">
               <a:solidFill>
@@ -16698,7 +16734,7 @@
                 <a:cs typeface="IBM Plex Sans"/>
                 <a:sym typeface="IBM Plex Sans"/>
               </a:rPr>
-              <a:t>What is the vision for change? What does it look like? What would be goals that change would meet?</a:t>
+              <a:t>What is the vision for change? What does it look like? What would be the goals that change would achieve?</a:t>
             </a:r>
             <a:endParaRPr sz="600">
               <a:solidFill>
@@ -17424,7 +17460,31 @@
                 <a:cs typeface="IBM Plex Sans"/>
                 <a:sym typeface="IBM Plex Sans"/>
               </a:rPr>
-              <a:t>Make people feel something. Focus on positive motivation rather than just negative reinforcement.</a:t>
+              <a:t>Make people feel something. Focus on positive motivation rather than </a:t>
+            </a:r>
+            <a:r>
+              <a:rPr lang="en" sz="1800">
+                <a:solidFill>
+                  <a:schemeClr val="dk1"/>
+                </a:solidFill>
+                <a:latin typeface="IBM Plex Sans"/>
+                <a:ea typeface="IBM Plex Sans"/>
+                <a:cs typeface="IBM Plex Sans"/>
+                <a:sym typeface="IBM Plex Sans"/>
+              </a:rPr>
+              <a:t>just </a:t>
+            </a:r>
+            <a:r>
+              <a:rPr lang="en" sz="1800">
+                <a:solidFill>
+                  <a:schemeClr val="dk1"/>
+                </a:solidFill>
+                <a:latin typeface="IBM Plex Sans"/>
+                <a:ea typeface="IBM Plex Sans"/>
+                <a:cs typeface="IBM Plex Sans"/>
+                <a:sym typeface="IBM Plex Sans"/>
+              </a:rPr>
+              <a:t>negative reinforcement.</a:t>
             </a:r>
             <a:r>
               <a:rPr b="1" lang="en" sz="1800">
@@ -17497,7 +17557,7 @@
                 <a:cs typeface="IBM Plex Sans"/>
                 <a:sym typeface="IBM Plex Sans"/>
               </a:rPr>
-              <a:t>What feelings drive need for change? What are negative feelings? What are positive feelings? How to focus on positive motivation?</a:t>
+              <a:t>What feelings drive the need for change? What are negative feelings? What are positive feelings? How to focus on positive motivation?</a:t>
             </a:r>
             <a:endParaRPr b="1" sz="900">
               <a:solidFill>
@@ -18203,7 +18263,7 @@
                 <a:cs typeface="IBM Plex Sans"/>
                 <a:sym typeface="IBM Plex Sans"/>
               </a:rPr>
-              <a:t>Break down the change until it no longer seems daunting. Provide people the sense of accomplishment of successfully affecting change in small ways. </a:t>
+              <a:t>Break down the change until it no longer seems daunting. Provide people with a sense of accomplishment of successfully affecting change in small ways. </a:t>
             </a:r>
             <a:endParaRPr sz="1800">
               <a:solidFill>
